--- a/修論/本文/figure/fig_1_1_lattice_strain_Ith.pptx
+++ b/修論/本文/figure/fig_1_1_lattice_strain_Ith.pptx
@@ -270,7 +270,7 @@
           <a:p>
             <a:fld id="{A32B9A3D-CA70-294C-9655-8570139506AD}" type="datetimeFigureOut">
               <a:rPr kumimoji="1" lang="ja-JP" altLang="en-US" smtClean="0"/>
-              <a:t>2018/12/29</a:t>
+              <a:t>2019/1/3</a:t>
             </a:fld>
             <a:endParaRPr kumimoji="1" lang="ja-JP" altLang="en-US"/>
           </a:p>
@@ -475,7 +475,7 @@
           <a:p>
             <a:fld id="{A32B9A3D-CA70-294C-9655-8570139506AD}" type="datetimeFigureOut">
               <a:rPr kumimoji="1" lang="ja-JP" altLang="en-US" smtClean="0"/>
-              <a:t>2018/12/29</a:t>
+              <a:t>2019/1/3</a:t>
             </a:fld>
             <a:endParaRPr kumimoji="1" lang="ja-JP" altLang="en-US"/>
           </a:p>
@@ -690,7 +690,7 @@
           <a:p>
             <a:fld id="{A32B9A3D-CA70-294C-9655-8570139506AD}" type="datetimeFigureOut">
               <a:rPr kumimoji="1" lang="ja-JP" altLang="en-US" smtClean="0"/>
-              <a:t>2018/12/29</a:t>
+              <a:t>2019/1/3</a:t>
             </a:fld>
             <a:endParaRPr kumimoji="1" lang="ja-JP" altLang="en-US"/>
           </a:p>
@@ -895,7 +895,7 @@
           <a:p>
             <a:fld id="{A32B9A3D-CA70-294C-9655-8570139506AD}" type="datetimeFigureOut">
               <a:rPr kumimoji="1" lang="ja-JP" altLang="en-US" smtClean="0"/>
-              <a:t>2018/12/29</a:t>
+              <a:t>2019/1/3</a:t>
             </a:fld>
             <a:endParaRPr kumimoji="1" lang="ja-JP" altLang="en-US"/>
           </a:p>
@@ -1205,7 +1205,7 @@
           <a:p>
             <a:fld id="{A32B9A3D-CA70-294C-9655-8570139506AD}" type="datetimeFigureOut">
               <a:rPr kumimoji="1" lang="ja-JP" altLang="en-US" smtClean="0"/>
-              <a:t>2018/12/29</a:t>
+              <a:t>2019/1/3</a:t>
             </a:fld>
             <a:endParaRPr kumimoji="1" lang="ja-JP" altLang="en-US"/>
           </a:p>
@@ -1484,7 +1484,7 @@
           <a:p>
             <a:fld id="{A32B9A3D-CA70-294C-9655-8570139506AD}" type="datetimeFigureOut">
               <a:rPr kumimoji="1" lang="ja-JP" altLang="en-US" smtClean="0"/>
-              <a:t>2018/12/29</a:t>
+              <a:t>2019/1/3</a:t>
             </a:fld>
             <a:endParaRPr kumimoji="1" lang="ja-JP" altLang="en-US"/>
           </a:p>
@@ -1980,7 +1980,7 @@
           <a:p>
             <a:fld id="{A32B9A3D-CA70-294C-9655-8570139506AD}" type="datetimeFigureOut">
               <a:rPr kumimoji="1" lang="ja-JP" altLang="en-US" smtClean="0"/>
-              <a:t>2018/12/29</a:t>
+              <a:t>2019/1/3</a:t>
             </a:fld>
             <a:endParaRPr kumimoji="1" lang="ja-JP" altLang="en-US"/>
           </a:p>
@@ -2121,7 +2121,7 @@
           <a:p>
             <a:fld id="{A32B9A3D-CA70-294C-9655-8570139506AD}" type="datetimeFigureOut">
               <a:rPr kumimoji="1" lang="ja-JP" altLang="en-US" smtClean="0"/>
-              <a:t>2018/12/29</a:t>
+              <a:t>2019/1/3</a:t>
             </a:fld>
             <a:endParaRPr kumimoji="1" lang="ja-JP" altLang="en-US"/>
           </a:p>
@@ -2234,7 +2234,7 @@
           <a:p>
             <a:fld id="{A32B9A3D-CA70-294C-9655-8570139506AD}" type="datetimeFigureOut">
               <a:rPr kumimoji="1" lang="ja-JP" altLang="en-US" smtClean="0"/>
-              <a:t>2018/12/29</a:t>
+              <a:t>2019/1/3</a:t>
             </a:fld>
             <a:endParaRPr kumimoji="1" lang="ja-JP" altLang="en-US"/>
           </a:p>
@@ -2587,7 +2587,7 @@
           <a:p>
             <a:fld id="{A32B9A3D-CA70-294C-9655-8570139506AD}" type="datetimeFigureOut">
               <a:rPr kumimoji="1" lang="ja-JP" altLang="en-US" smtClean="0"/>
-              <a:t>2018/12/29</a:t>
+              <a:t>2019/1/3</a:t>
             </a:fld>
             <a:endParaRPr kumimoji="1" lang="ja-JP" altLang="en-US"/>
           </a:p>
@@ -2910,7 +2910,7 @@
           <a:p>
             <a:fld id="{A32B9A3D-CA70-294C-9655-8570139506AD}" type="datetimeFigureOut">
               <a:rPr kumimoji="1" lang="ja-JP" altLang="en-US" smtClean="0"/>
-              <a:t>2018/12/29</a:t>
+              <a:t>2019/1/3</a:t>
             </a:fld>
             <a:endParaRPr kumimoji="1" lang="ja-JP" altLang="en-US"/>
           </a:p>
@@ -3158,7 +3158,7 @@
           <a:p>
             <a:fld id="{A32B9A3D-CA70-294C-9655-8570139506AD}" type="datetimeFigureOut">
               <a:rPr kumimoji="1" lang="ja-JP" altLang="en-US" smtClean="0"/>
-              <a:t>2018/12/29</a:t>
+              <a:t>2019/1/3</a:t>
             </a:fld>
             <a:endParaRPr kumimoji="1" lang="ja-JP" altLang="en-US"/>
           </a:p>
@@ -3605,6 +3605,71 @@
           </a:prstGeom>
         </p:spPr>
       </p:pic>
+      <p:sp>
+        <p:nvSpPr>
+          <p:cNvPr id="2" name="テキスト ボックス 1">
+            <a:extLst>
+              <a:ext uri="{FF2B5EF4-FFF2-40B4-BE49-F238E27FC236}">
+                <a16:creationId xmlns:a16="http://schemas.microsoft.com/office/drawing/2014/main" id="{8F36CB93-CDBF-034C-884F-551EA21426E4}"/>
+              </a:ext>
+            </a:extLst>
+          </p:cNvPr>
+          <p:cNvSpPr txBox="1"/>
+          <p:nvPr/>
+        </p:nvSpPr>
+        <p:spPr>
+          <a:xfrm>
+            <a:off x="5254388" y="4817659"/>
+            <a:ext cx="1542197" cy="938719"/>
+          </a:xfrm>
+          <a:prstGeom prst="rect">
+            <a:avLst/>
+          </a:prstGeom>
+          <a:noFill/>
+        </p:spPr>
+        <p:txBody>
+          <a:bodyPr wrap="square" rtlCol="0">
+            <a:spAutoFit/>
+          </a:bodyPr>
+          <a:lstStyle/>
+          <a:p>
+            <a:r>
+              <a:rPr kumimoji="1" lang="en-US" altLang="ja-JP" sz="1100" dirty="0"/>
+              <a:t>     </a:t>
+            </a:r>
+            <a:r>
+              <a:rPr kumimoji="1" lang="ja-JP" altLang="en-US" sz="1100"/>
+              <a:t>引張り歪</a:t>
+            </a:r>
+            <a:r>
+              <a:rPr kumimoji="1" lang="en-US" altLang="ja-JP" sz="1100" dirty="0"/>
+              <a:t>	 0</a:t>
+            </a:r>
+            <a:endParaRPr lang="en-US" altLang="ja-JP" sz="1100" dirty="0"/>
+          </a:p>
+          <a:p>
+            <a:r>
+              <a:rPr kumimoji="1" lang="en-US" altLang="ja-JP" sz="1100" dirty="0"/>
+              <a:t>	1.1</a:t>
+            </a:r>
+          </a:p>
+          <a:p>
+            <a:r>
+              <a:rPr lang="en-US" altLang="ja-JP" sz="1100" dirty="0"/>
+              <a:t>	1.5</a:t>
+            </a:r>
+          </a:p>
+          <a:p>
+            <a:r>
+              <a:rPr kumimoji="1" lang="en-US" altLang="ja-JP" sz="1100" dirty="0"/>
+              <a:t>	2.2</a:t>
+            </a:r>
+          </a:p>
+          <a:p>
+            <a:endParaRPr kumimoji="1" lang="ja-JP" altLang="en-US" sz="1100"/>
+          </a:p>
+        </p:txBody>
+      </p:sp>
     </p:spTree>
     <p:extLst>
       <p:ext uri="{BB962C8B-B14F-4D97-AF65-F5344CB8AC3E}">
